--- a/Deliverables/PresentationFinal.pptx
+++ b/Deliverables/PresentationFinal.pptx
@@ -14,10 +14,10 @@
     <p:sldId id="261" r:id="rId5"/>
     <p:sldId id="262" r:id="rId6"/>
     <p:sldId id="263" r:id="rId7"/>
-    <p:sldId id="265" r:id="rId8"/>
+    <p:sldId id="267" r:id="rId8"/>
     <p:sldId id="264" r:id="rId9"/>
     <p:sldId id="266" r:id="rId10"/>
-    <p:sldId id="267" r:id="rId11"/>
+    <p:sldId id="265" r:id="rId11"/>
     <p:sldId id="259" r:id="rId12"/>
     <p:sldId id="268" r:id="rId13"/>
   </p:sldIdLst>
@@ -476,90 +476,6 @@
   <p:cSld>
     <p:spTree>
       <p:nvGrpSpPr>
-        <p:cNvPr id="1" name=""/>
-        <p:cNvGrpSpPr/>
-        <p:nvPr/>
-      </p:nvGrpSpPr>
-      <p:grpSpPr>
-        <a:xfrm>
-          <a:off x="0" y="0"/>
-          <a:ext cx="0" cy="0"/>
-          <a:chOff x="0" y="0"/>
-          <a:chExt cx="0" cy="0"/>
-        </a:xfrm>
-      </p:grpSpPr>
-      <p:sp>
-        <p:nvSpPr>
-          <p:cNvPr id="2" name="Slide Image Placeholder 1"/>
-          <p:cNvSpPr>
-            <a:spLocks noGrp="1" noRot="1" noChangeAspect="1"/>
-          </p:cNvSpPr>
-          <p:nvPr>
-            <p:ph type="sldImg"/>
-          </p:nvPr>
-        </p:nvSpPr>
-        <p:spPr/>
-      </p:sp>
-      <p:sp>
-        <p:nvSpPr>
-          <p:cNvPr id="3" name="Notes Placeholder 2"/>
-          <p:cNvSpPr>
-            <a:spLocks noGrp="1"/>
-          </p:cNvSpPr>
-          <p:nvPr>
-            <p:ph type="body" idx="1"/>
-          </p:nvPr>
-        </p:nvSpPr>
-        <p:spPr/>
-        <p:txBody>
-          <a:bodyPr/>
-          <a:lstStyle/>
-          <a:p>
-            <a:endParaRPr lang="en-PA" dirty="0"/>
-          </a:p>
-        </p:txBody>
-      </p:sp>
-      <p:sp>
-        <p:nvSpPr>
-          <p:cNvPr id="4" name="Slide Number Placeholder 3"/>
-          <p:cNvSpPr>
-            <a:spLocks noGrp="1"/>
-          </p:cNvSpPr>
-          <p:nvPr>
-            <p:ph type="sldNum" sz="quarter" idx="5"/>
-          </p:nvPr>
-        </p:nvSpPr>
-        <p:spPr/>
-        <p:txBody>
-          <a:bodyPr/>
-          <a:lstStyle/>
-          <a:p>
-            <a:fld id="{44A6BC88-FF7D-F449-AEF4-02CD64427932}" type="slidenum">
-              <a:rPr lang="en-PA" smtClean="0"/>
-              <a:t>7</a:t>
-            </a:fld>
-            <a:endParaRPr lang="en-PA"/>
-          </a:p>
-        </p:txBody>
-      </p:sp>
-    </p:spTree>
-    <p:extLst>
-      <p:ext uri="{BB962C8B-B14F-4D97-AF65-F5344CB8AC3E}">
-        <p14:creationId xmlns:p14="http://schemas.microsoft.com/office/powerpoint/2010/main" val="4261895088"/>
-      </p:ext>
-    </p:extLst>
-  </p:cSld>
-  <p:clrMapOvr>
-    <a:masterClrMapping/>
-  </p:clrMapOvr>
-</p:notes>
-</file>
-
-<file path=ppt/notesSlides/notesSlide2.xml><?xml version="1.0" encoding="utf-8"?>
-<p:notes xmlns:a="http://schemas.openxmlformats.org/drawingml/2006/main" xmlns:r="http://schemas.openxmlformats.org/officeDocument/2006/relationships" xmlns:p="http://schemas.openxmlformats.org/presentationml/2006/main">
-  <p:cSld>
-    <p:spTree>
-      <p:nvGrpSpPr>
         <p:cNvPr id="1" name="">
           <a:extLst>
             <a:ext uri="{FF2B5EF4-FFF2-40B4-BE49-F238E27FC236}">
@@ -644,6 +560,90 @@
           <a:p>
             <a:fld id="{44A6BC88-FF7D-F449-AEF4-02CD64427932}" type="slidenum">
               <a:rPr lang="en-PA" smtClean="0"/>
+              <a:t>7</a:t>
+            </a:fld>
+            <a:endParaRPr lang="en-PA"/>
+          </a:p>
+        </p:txBody>
+      </p:sp>
+    </p:spTree>
+    <p:extLst>
+      <p:ext uri="{BB962C8B-B14F-4D97-AF65-F5344CB8AC3E}">
+        <p14:creationId xmlns:p14="http://schemas.microsoft.com/office/powerpoint/2010/main" val="4087347891"/>
+      </p:ext>
+    </p:extLst>
+  </p:cSld>
+  <p:clrMapOvr>
+    <a:masterClrMapping/>
+  </p:clrMapOvr>
+</p:notes>
+</file>
+
+<file path=ppt/notesSlides/notesSlide2.xml><?xml version="1.0" encoding="utf-8"?>
+<p:notes xmlns:a="http://schemas.openxmlformats.org/drawingml/2006/main" xmlns:r="http://schemas.openxmlformats.org/officeDocument/2006/relationships" xmlns:p="http://schemas.openxmlformats.org/presentationml/2006/main">
+  <p:cSld>
+    <p:spTree>
+      <p:nvGrpSpPr>
+        <p:cNvPr id="1" name=""/>
+        <p:cNvGrpSpPr/>
+        <p:nvPr/>
+      </p:nvGrpSpPr>
+      <p:grpSpPr>
+        <a:xfrm>
+          <a:off x="0" y="0"/>
+          <a:ext cx="0" cy="0"/>
+          <a:chOff x="0" y="0"/>
+          <a:chExt cx="0" cy="0"/>
+        </a:xfrm>
+      </p:grpSpPr>
+      <p:sp>
+        <p:nvSpPr>
+          <p:cNvPr id="2" name="Slide Image Placeholder 1"/>
+          <p:cNvSpPr>
+            <a:spLocks noGrp="1" noRot="1" noChangeAspect="1"/>
+          </p:cNvSpPr>
+          <p:nvPr>
+            <p:ph type="sldImg"/>
+          </p:nvPr>
+        </p:nvSpPr>
+        <p:spPr/>
+      </p:sp>
+      <p:sp>
+        <p:nvSpPr>
+          <p:cNvPr id="3" name="Notes Placeholder 2"/>
+          <p:cNvSpPr>
+            <a:spLocks noGrp="1"/>
+          </p:cNvSpPr>
+          <p:nvPr>
+            <p:ph type="body" idx="1"/>
+          </p:nvPr>
+        </p:nvSpPr>
+        <p:spPr/>
+        <p:txBody>
+          <a:bodyPr/>
+          <a:lstStyle/>
+          <a:p>
+            <a:endParaRPr lang="en-PA" dirty="0"/>
+          </a:p>
+        </p:txBody>
+      </p:sp>
+      <p:sp>
+        <p:nvSpPr>
+          <p:cNvPr id="4" name="Slide Number Placeholder 3"/>
+          <p:cNvSpPr>
+            <a:spLocks noGrp="1"/>
+          </p:cNvSpPr>
+          <p:nvPr>
+            <p:ph type="sldNum" sz="quarter" idx="5"/>
+          </p:nvPr>
+        </p:nvSpPr>
+        <p:spPr/>
+        <p:txBody>
+          <a:bodyPr/>
+          <a:lstStyle/>
+          <a:p>
+            <a:fld id="{44A6BC88-FF7D-F449-AEF4-02CD64427932}" type="slidenum">
+              <a:rPr lang="en-PA" smtClean="0"/>
               <a:t>10</a:t>
             </a:fld>
             <a:endParaRPr lang="en-PA"/>
@@ -653,7 +653,7 @@
     </p:spTree>
     <p:extLst>
       <p:ext uri="{BB962C8B-B14F-4D97-AF65-F5344CB8AC3E}">
-        <p14:creationId xmlns:p14="http://schemas.microsoft.com/office/powerpoint/2010/main" val="4087347891"/>
+        <p14:creationId xmlns:p14="http://schemas.microsoft.com/office/powerpoint/2010/main" val="4261895088"/>
       </p:ext>
     </p:extLst>
   </p:cSld>
@@ -9551,6 +9551,18 @@
   <p:clrMapOvr>
     <a:masterClrMapping/>
   </p:clrMapOvr>
+  <mc:AlternateContent xmlns:mc="http://schemas.openxmlformats.org/markup-compatibility/2006">
+    <mc:Choice xmlns:p14="http://schemas.microsoft.com/office/powerpoint/2010/main" Requires="p14">
+      <p:transition spd="slow" p14:dur="1250">
+        <p14:switch dir="r"/>
+      </p:transition>
+    </mc:Choice>
+    <mc:Fallback>
+      <p:transition spd="slow">
+        <p:fade/>
+      </p:transition>
+    </mc:Fallback>
+  </mc:AlternateContent>
 </p:sldLayout>
 </file>
 
@@ -9721,6 +9733,18 @@
   <p:clrMapOvr>
     <a:masterClrMapping/>
   </p:clrMapOvr>
+  <mc:AlternateContent xmlns:mc="http://schemas.openxmlformats.org/markup-compatibility/2006">
+    <mc:Choice xmlns:p14="http://schemas.microsoft.com/office/powerpoint/2010/main" Requires="p14">
+      <p:transition spd="slow" p14:dur="1250">
+        <p14:switch dir="r"/>
+      </p:transition>
+    </mc:Choice>
+    <mc:Fallback>
+      <p:transition spd="slow">
+        <p:fade/>
+      </p:transition>
+    </mc:Fallback>
+  </mc:AlternateContent>
 </p:sldLayout>
 </file>
 
@@ -9936,6 +9960,18 @@
   <p:clrMapOvr>
     <a:masterClrMapping/>
   </p:clrMapOvr>
+  <mc:AlternateContent xmlns:mc="http://schemas.openxmlformats.org/markup-compatibility/2006">
+    <mc:Choice xmlns:p14="http://schemas.microsoft.com/office/powerpoint/2010/main" Requires="p14">
+      <p:transition spd="slow" p14:dur="1250">
+        <p14:switch dir="r"/>
+      </p:transition>
+    </mc:Choice>
+    <mc:Fallback>
+      <p:transition spd="slow">
+        <p:fade/>
+      </p:transition>
+    </mc:Fallback>
+  </mc:AlternateContent>
 </p:sldLayout>
 </file>
 
@@ -10106,6 +10142,18 @@
   <p:clrMapOvr>
     <a:masterClrMapping/>
   </p:clrMapOvr>
+  <mc:AlternateContent xmlns:mc="http://schemas.openxmlformats.org/markup-compatibility/2006">
+    <mc:Choice xmlns:p14="http://schemas.microsoft.com/office/powerpoint/2010/main" Requires="p14">
+      <p:transition spd="slow" p14:dur="1250">
+        <p14:switch dir="r"/>
+      </p:transition>
+    </mc:Choice>
+    <mc:Fallback>
+      <p:transition spd="slow">
+        <p:fade/>
+      </p:transition>
+    </mc:Fallback>
+  </mc:AlternateContent>
 </p:sldLayout>
 </file>
 
@@ -19041,6 +19089,18 @@
   <p:clrMapOvr>
     <a:masterClrMapping/>
   </p:clrMapOvr>
+  <mc:AlternateContent xmlns:mc="http://schemas.openxmlformats.org/markup-compatibility/2006">
+    <mc:Choice xmlns:p14="http://schemas.microsoft.com/office/powerpoint/2010/main" Requires="p14">
+      <p:transition spd="slow" p14:dur="1250">
+        <p14:switch dir="r"/>
+      </p:transition>
+    </mc:Choice>
+    <mc:Fallback>
+      <p:transition spd="slow">
+        <p:fade/>
+      </p:transition>
+    </mc:Fallback>
+  </mc:AlternateContent>
 </p:sldLayout>
 </file>
 
@@ -19278,6 +19338,18 @@
   <p:clrMapOvr>
     <a:masterClrMapping/>
   </p:clrMapOvr>
+  <mc:AlternateContent xmlns:mc="http://schemas.openxmlformats.org/markup-compatibility/2006">
+    <mc:Choice xmlns:p14="http://schemas.microsoft.com/office/powerpoint/2010/main" Requires="p14">
+      <p:transition spd="slow" p14:dur="1250">
+        <p14:switch dir="r"/>
+      </p:transition>
+    </mc:Choice>
+    <mc:Fallback>
+      <p:transition spd="slow">
+        <p:fade/>
+      </p:transition>
+    </mc:Fallback>
+  </mc:AlternateContent>
 </p:sldLayout>
 </file>
 
@@ -19676,6 +19748,18 @@
   <p:clrMapOvr>
     <a:masterClrMapping/>
   </p:clrMapOvr>
+  <mc:AlternateContent xmlns:mc="http://schemas.openxmlformats.org/markup-compatibility/2006">
+    <mc:Choice xmlns:p14="http://schemas.microsoft.com/office/powerpoint/2010/main" Requires="p14">
+      <p:transition spd="slow" p14:dur="1250">
+        <p14:switch dir="r"/>
+      </p:transition>
+    </mc:Choice>
+    <mc:Fallback>
+      <p:transition spd="slow">
+        <p:fade/>
+      </p:transition>
+    </mc:Fallback>
+  </mc:AlternateContent>
 </p:sldLayout>
 </file>
 
@@ -19794,6 +19878,18 @@
   <p:clrMapOvr>
     <a:masterClrMapping/>
   </p:clrMapOvr>
+  <mc:AlternateContent xmlns:mc="http://schemas.openxmlformats.org/markup-compatibility/2006">
+    <mc:Choice xmlns:p14="http://schemas.microsoft.com/office/powerpoint/2010/main" Requires="p14">
+      <p:transition spd="slow" p14:dur="1250">
+        <p14:switch dir="r"/>
+      </p:transition>
+    </mc:Choice>
+    <mc:Fallback>
+      <p:transition spd="slow">
+        <p:fade/>
+      </p:transition>
+    </mc:Fallback>
+  </mc:AlternateContent>
 </p:sldLayout>
 </file>
 
@@ -19889,6 +19985,18 @@
   <p:clrMapOvr>
     <a:masterClrMapping/>
   </p:clrMapOvr>
+  <mc:AlternateContent xmlns:mc="http://schemas.openxmlformats.org/markup-compatibility/2006">
+    <mc:Choice xmlns:p14="http://schemas.microsoft.com/office/powerpoint/2010/main" Requires="p14">
+      <p:transition spd="slow" p14:dur="1250">
+        <p14:switch dir="r"/>
+      </p:transition>
+    </mc:Choice>
+    <mc:Fallback>
+      <p:transition spd="slow">
+        <p:fade/>
+      </p:transition>
+    </mc:Fallback>
+  </mc:AlternateContent>
 </p:sldLayout>
 </file>
 
@@ -20179,6 +20287,18 @@
   <p:clrMapOvr>
     <a:masterClrMapping/>
   </p:clrMapOvr>
+  <mc:AlternateContent xmlns:mc="http://schemas.openxmlformats.org/markup-compatibility/2006">
+    <mc:Choice xmlns:p14="http://schemas.microsoft.com/office/powerpoint/2010/main" Requires="p14">
+      <p:transition spd="slow" p14:dur="1250">
+        <p14:switch dir="r"/>
+      </p:transition>
+    </mc:Choice>
+    <mc:Fallback>
+      <p:transition spd="slow">
+        <p:fade/>
+      </p:transition>
+    </mc:Fallback>
+  </mc:AlternateContent>
 </p:sldLayout>
 </file>
 
@@ -20494,6 +20614,18 @@
   <p:clrMapOvr>
     <a:masterClrMapping/>
   </p:clrMapOvr>
+  <mc:AlternateContent xmlns:mc="http://schemas.openxmlformats.org/markup-compatibility/2006">
+    <mc:Choice xmlns:p14="http://schemas.microsoft.com/office/powerpoint/2010/main" Requires="p14">
+      <p:transition spd="slow" p14:dur="1250">
+        <p14:switch dir="r"/>
+      </p:transition>
+    </mc:Choice>
+    <mc:Fallback>
+      <p:transition spd="slow">
+        <p:fade/>
+      </p:transition>
+    </mc:Fallback>
+  </mc:AlternateContent>
 </p:sldLayout>
 </file>
 
@@ -20796,6 +20928,18 @@
     <p:sldLayoutId id="2147483780" r:id="rId10"/>
     <p:sldLayoutId id="2147483781" r:id="rId11"/>
   </p:sldLayoutIdLst>
+  <mc:AlternateContent xmlns:mc="http://schemas.openxmlformats.org/markup-compatibility/2006">
+    <mc:Choice xmlns:p14="http://schemas.microsoft.com/office/powerpoint/2010/main" Requires="p14">
+      <p:transition spd="slow" p14:dur="1250">
+        <p14:switch dir="r"/>
+      </p:transition>
+    </mc:Choice>
+    <mc:Fallback>
+      <p:transition spd="slow">
+        <p:fade/>
+      </p:transition>
+    </mc:Fallback>
+  </mc:AlternateContent>
   <p:hf sldNum="0" hdr="0" ftr="0" dt="0"/>
   <p:txStyles>
     <p:titleStyle>
@@ -21355,6 +21499,18 @@
   <p:clrMapOvr>
     <a:masterClrMapping/>
   </p:clrMapOvr>
+  <mc:AlternateContent xmlns:mc="http://schemas.openxmlformats.org/markup-compatibility/2006">
+    <mc:Choice xmlns:p14="http://schemas.microsoft.com/office/powerpoint/2010/main" Requires="p14">
+      <p:transition spd="slow" p14:dur="1250">
+        <p14:switch dir="r"/>
+      </p:transition>
+    </mc:Choice>
+    <mc:Fallback>
+      <p:transition spd="slow">
+        <p:fade/>
+      </p:transition>
+    </mc:Fallback>
+  </mc:AlternateContent>
 </p:sld>
 </file>
 
@@ -21374,7 +21530,7 @@
         <p:cNvPr id="1" name="">
           <a:extLst>
             <a:ext uri="{FF2B5EF4-FFF2-40B4-BE49-F238E27FC236}">
-              <a16:creationId xmlns:a16="http://schemas.microsoft.com/office/drawing/2014/main" id="{5609698F-7833-E543-897C-7DA1AED9244D}"/>
+              <a16:creationId xmlns:a16="http://schemas.microsoft.com/office/drawing/2014/main" id="{EA8290CB-094F-F044-24A1-DEE43CFC2CE8}"/>
             </a:ext>
           </a:extLst>
         </p:cNvPr>
@@ -21394,7 +21550,7 @@
           <p:cNvPr id="13" name="Rectangle 12">
             <a:extLst>
               <a:ext uri="{FF2B5EF4-FFF2-40B4-BE49-F238E27FC236}">
-                <a16:creationId xmlns:a16="http://schemas.microsoft.com/office/drawing/2014/main" id="{3EEAA131-0ECD-2728-1A47-CDF8768B50A7}"/>
+                <a16:creationId xmlns:a16="http://schemas.microsoft.com/office/drawing/2014/main" id="{981AC287-16E6-D23E-AB54-1A098D4FC37D}"/>
               </a:ext>
               <a:ext uri="{C183D7F6-B498-43B3-948B-1728B52AA6E4}">
                 <adec:decorative xmlns:adec="http://schemas.microsoft.com/office/drawing/2017/decorative" val="1"/>
@@ -21457,7 +21613,7 @@
           <p:cNvPr id="14" name="Rectangle 13">
             <a:extLst>
               <a:ext uri="{FF2B5EF4-FFF2-40B4-BE49-F238E27FC236}">
-                <a16:creationId xmlns:a16="http://schemas.microsoft.com/office/drawing/2014/main" id="{42A5A504-98D2-A842-ECAC-5FBC25DDB321}"/>
+                <a16:creationId xmlns:a16="http://schemas.microsoft.com/office/drawing/2014/main" id="{04D14FF3-FCBA-4F9F-4226-7BA0706B8DE6}"/>
               </a:ext>
               <a:ext uri="{C183D7F6-B498-43B3-948B-1728B52AA6E4}">
                 <adec:decorative xmlns:adec="http://schemas.microsoft.com/office/drawing/2017/decorative" val="1"/>
@@ -21520,7 +21676,7 @@
           <p:cNvPr id="2" name="Title 1">
             <a:extLst>
               <a:ext uri="{FF2B5EF4-FFF2-40B4-BE49-F238E27FC236}">
-                <a16:creationId xmlns:a16="http://schemas.microsoft.com/office/drawing/2014/main" id="{0CC03798-FBF8-ED82-EA35-C4B733E1927D}"/>
+                <a16:creationId xmlns:a16="http://schemas.microsoft.com/office/drawing/2014/main" id="{873615B2-219E-A819-A504-1D7C46FE2370}"/>
               </a:ext>
             </a:extLst>
           </p:cNvPr>
@@ -21539,7 +21695,7 @@
         </p:spPr>
         <p:txBody>
           <a:bodyPr>
-            <a:normAutofit/>
+            <a:normAutofit fontScale="90000"/>
           </a:bodyPr>
           <a:lstStyle/>
           <a:p>
@@ -21550,7 +21706,7 @@
                   <a:srgbClr val="FFFFFF"/>
                 </a:solidFill>
               </a:rPr>
-              <a:t>"Cada </a:t>
+              <a:t>"Las </a:t>
             </a:r>
             <a:r>
               <a:rPr lang="en-US" dirty="0" err="1">
@@ -21558,7 +21714,23 @@
                   <a:srgbClr val="FFFFFF"/>
                 </a:solidFill>
               </a:rPr>
-              <a:t>cultura</a:t>
+              <a:t>culturas</a:t>
+            </a:r>
+            <a:r>
+              <a:rPr lang="en-US" dirty="0">
+                <a:solidFill>
+                  <a:srgbClr val="FFFFFF"/>
+                </a:solidFill>
+              </a:rPr>
+              <a:t> son </a:t>
+            </a:r>
+            <a:r>
+              <a:rPr lang="en-US" dirty="0" err="1">
+                <a:solidFill>
+                  <a:srgbClr val="FFFFFF"/>
+                </a:solidFill>
+              </a:rPr>
+              <a:t>como</a:t>
             </a:r>
             <a:r>
               <a:rPr lang="en-US" dirty="0">
@@ -21574,7 +21746,7 @@
                   <a:srgbClr val="FFFFFF"/>
                 </a:solidFill>
               </a:rPr>
-              <a:t>tiene</a:t>
+              <a:t>algoritmos</a:t>
             </a:r>
             <a:r>
               <a:rPr lang="en-US" dirty="0">
@@ -21582,7 +21754,7 @@
                   <a:srgbClr val="FFFFFF"/>
                 </a:solidFill>
               </a:rPr>
-              <a:t> sus </a:t>
+              <a:t>: </a:t>
             </a:r>
             <a:r>
               <a:rPr lang="en-US" dirty="0" err="1">
@@ -21590,7 +21762,7 @@
                   <a:srgbClr val="FFFFFF"/>
                 </a:solidFill>
               </a:rPr>
-              <a:t>propias</a:t>
+              <a:t>recetas</a:t>
             </a:r>
             <a:r>
               <a:rPr lang="en-US" dirty="0">
@@ -21598,7 +21770,7 @@
                   <a:srgbClr val="FFFFFF"/>
                 </a:solidFill>
               </a:rPr>
-              <a:t> ideas </a:t>
+              <a:t> para </a:t>
             </a:r>
             <a:r>
               <a:rPr lang="en-US" dirty="0" err="1">
@@ -21606,7 +21778,7 @@
                   <a:srgbClr val="FFFFFF"/>
                 </a:solidFill>
               </a:rPr>
-              <a:t>sobre</a:t>
+              <a:t>decidir</a:t>
             </a:r>
             <a:r>
               <a:rPr lang="en-US" dirty="0">
@@ -21614,7 +21786,7 @@
                   <a:srgbClr val="FFFFFF"/>
                 </a:solidFill>
               </a:rPr>
-              <a:t> lo que es natural, </a:t>
+              <a:t> </a:t>
             </a:r>
             <a:r>
               <a:rPr lang="en-US" dirty="0" err="1">
@@ -21622,7 +21794,7 @@
                   <a:srgbClr val="FFFFFF"/>
                 </a:solidFill>
               </a:rPr>
-              <a:t>correcto</a:t>
+              <a:t>qué</a:t>
             </a:r>
             <a:r>
               <a:rPr lang="en-US" dirty="0">
@@ -21630,7 +21802,7 @@
                   <a:srgbClr val="FFFFFF"/>
                 </a:solidFill>
               </a:rPr>
-              <a:t> o </a:t>
+              <a:t> </a:t>
             </a:r>
             <a:r>
               <a:rPr lang="en-US" dirty="0" err="1">
@@ -21638,7 +21810,71 @@
                   <a:srgbClr val="FFFFFF"/>
                 </a:solidFill>
               </a:rPr>
-              <a:t>deseable</a:t>
+              <a:t>hacer</a:t>
+            </a:r>
+            <a:r>
+              <a:rPr lang="en-US" dirty="0">
+                <a:solidFill>
+                  <a:srgbClr val="FFFFFF"/>
+                </a:solidFill>
+              </a:rPr>
+              <a:t> </a:t>
+            </a:r>
+            <a:r>
+              <a:rPr lang="en-US" dirty="0" err="1">
+                <a:solidFill>
+                  <a:srgbClr val="FFFFFF"/>
+                </a:solidFill>
+              </a:rPr>
+              <a:t>cuando</a:t>
+            </a:r>
+            <a:r>
+              <a:rPr lang="en-US" dirty="0">
+                <a:solidFill>
+                  <a:srgbClr val="FFFFFF"/>
+                </a:solidFill>
+              </a:rPr>
+              <a:t> se </a:t>
+            </a:r>
+            <a:r>
+              <a:rPr lang="en-US" dirty="0" err="1">
+                <a:solidFill>
+                  <a:srgbClr val="FFFFFF"/>
+                </a:solidFill>
+              </a:rPr>
+              <a:t>enfrentan</a:t>
+            </a:r>
+            <a:r>
+              <a:rPr lang="en-US" dirty="0">
+                <a:solidFill>
+                  <a:srgbClr val="FFFFFF"/>
+                </a:solidFill>
+              </a:rPr>
+              <a:t> a </a:t>
+            </a:r>
+            <a:r>
+              <a:rPr lang="en-US" dirty="0" err="1">
+                <a:solidFill>
+                  <a:srgbClr val="FFFFFF"/>
+                </a:solidFill>
+              </a:rPr>
+              <a:t>determinadas</a:t>
+            </a:r>
+            <a:r>
+              <a:rPr lang="en-US" dirty="0">
+                <a:solidFill>
+                  <a:srgbClr val="FFFFFF"/>
+                </a:solidFill>
+              </a:rPr>
+              <a:t> </a:t>
+            </a:r>
+            <a:r>
+              <a:rPr lang="en-US" dirty="0" err="1">
+                <a:solidFill>
+                  <a:srgbClr val="FFFFFF"/>
+                </a:solidFill>
+              </a:rPr>
+              <a:t>situaciones</a:t>
             </a:r>
             <a:r>
               <a:rPr lang="en-US" dirty="0">
@@ -21683,7 +21919,7 @@
           <p:cNvPr id="12" name="Rectangle 11">
             <a:extLst>
               <a:ext uri="{FF2B5EF4-FFF2-40B4-BE49-F238E27FC236}">
-                <a16:creationId xmlns:a16="http://schemas.microsoft.com/office/drawing/2014/main" id="{AECC8A39-4EA0-3973-ADB1-735296EE8A51}"/>
+                <a16:creationId xmlns:a16="http://schemas.microsoft.com/office/drawing/2014/main" id="{22F1DA8A-6007-80E4-287F-6D5D3D35D84F}"/>
               </a:ext>
               <a:ext uri="{C183D7F6-B498-43B3-948B-1728B52AA6E4}">
                 <adec:decorative xmlns:adec="http://schemas.microsoft.com/office/drawing/2017/decorative" val="1"/>
@@ -21746,7 +21982,7 @@
           <p:cNvPr id="1026" name="Picture 2" descr="Sapiens' by Yuval Noah Harari">
             <a:extLst>
               <a:ext uri="{FF2B5EF4-FFF2-40B4-BE49-F238E27FC236}">
-                <a16:creationId xmlns:a16="http://schemas.microsoft.com/office/drawing/2014/main" id="{CDB98B1E-1EDC-B873-A40B-66CDF153A1CB}"/>
+                <a16:creationId xmlns:a16="http://schemas.microsoft.com/office/drawing/2014/main" id="{EAA3BAE1-1016-D275-7128-AF76D52680DB}"/>
               </a:ext>
             </a:extLst>
           </p:cNvPr>
@@ -21791,13 +22027,25 @@
     </p:spTree>
     <p:extLst>
       <p:ext uri="{BB962C8B-B14F-4D97-AF65-F5344CB8AC3E}">
-        <p14:creationId xmlns:p14="http://schemas.microsoft.com/office/powerpoint/2010/main" val="3208445672"/>
+        <p14:creationId xmlns:p14="http://schemas.microsoft.com/office/powerpoint/2010/main" val="3924537972"/>
       </p:ext>
     </p:extLst>
   </p:cSld>
   <p:clrMapOvr>
     <a:overrideClrMapping bg1="dk1" tx1="lt1" bg2="dk2" tx2="lt2" accent1="accent1" accent2="accent2" accent3="accent3" accent4="accent4" accent5="accent5" accent6="accent6" hlink="hlink" folHlink="folHlink"/>
   </p:clrMapOvr>
+  <mc:AlternateContent xmlns:mc="http://schemas.openxmlformats.org/markup-compatibility/2006">
+    <mc:Choice xmlns:p14="http://schemas.microsoft.com/office/powerpoint/2010/main" Requires="p14">
+      <p:transition spd="slow" p14:dur="1250">
+        <p14:switch dir="r"/>
+      </p:transition>
+    </mc:Choice>
+    <mc:Fallback>
+      <p:transition spd="slow">
+        <p:fade/>
+      </p:transition>
+    </mc:Fallback>
+  </mc:AlternateContent>
 </p:sld>
 </file>
 
@@ -21880,6 +22128,16 @@
             </a:pPr>
             <a:r>
               <a:rPr lang="en-PA" sz="3200" dirty="0"/>
+              <a:t>Reformas sociales y culturales.</a:t>
+            </a:r>
+          </a:p>
+          <a:p>
+            <a:pPr marL="285750" indent="-285750">
+              <a:buFont typeface="Arial" panose="020B0604020202020204" pitchFamily="34" charset="0"/>
+              <a:buChar char="•"/>
+            </a:pPr>
+            <a:r>
+              <a:rPr lang="en-PA" sz="3200" dirty="0"/>
               <a:t>Soluciones habitacionales para parejas.</a:t>
             </a:r>
           </a:p>
@@ -21891,16 +22149,6 @@
             <a:r>
               <a:rPr lang="en-PA" sz="3200" dirty="0"/>
               <a:t>Perspectivas positivas en el ambiente laboral.</a:t>
-            </a:r>
-          </a:p>
-          <a:p>
-            <a:pPr marL="285750" indent="-285750">
-              <a:buFont typeface="Arial" panose="020B0604020202020204" pitchFamily="34" charset="0"/>
-              <a:buChar char="•"/>
-            </a:pPr>
-            <a:r>
-              <a:rPr lang="en-PA" sz="3200" dirty="0"/>
-              <a:t>Reformas sociales y culturales.</a:t>
             </a:r>
           </a:p>
           <a:p>
@@ -21926,6 +22174,18 @@
   <p:clrMapOvr>
     <a:masterClrMapping/>
   </p:clrMapOvr>
+  <mc:AlternateContent xmlns:mc="http://schemas.openxmlformats.org/markup-compatibility/2006">
+    <mc:Choice xmlns:p14="http://schemas.microsoft.com/office/powerpoint/2010/main" Requires="p14">
+      <p:transition spd="slow" p14:dur="1250">
+        <p14:switch dir="r"/>
+      </p:transition>
+    </mc:Choice>
+    <mc:Fallback>
+      <p:transition spd="slow">
+        <p:fade/>
+      </p:transition>
+    </mc:Fallback>
+  </mc:AlternateContent>
 </p:sld>
 </file>
 
@@ -22009,6 +22269,18 @@
   <p:clrMapOvr>
     <a:masterClrMapping/>
   </p:clrMapOvr>
+  <mc:AlternateContent xmlns:mc="http://schemas.openxmlformats.org/markup-compatibility/2006">
+    <mc:Choice xmlns:p14="http://schemas.microsoft.com/office/powerpoint/2010/main" Requires="p14">
+      <p:transition spd="slow" p14:dur="1250">
+        <p14:switch dir="r"/>
+      </p:transition>
+    </mc:Choice>
+    <mc:Fallback>
+      <p:transition spd="slow">
+        <p:fade/>
+      </p:transition>
+    </mc:Fallback>
+  </mc:AlternateContent>
 </p:sld>
 </file>
 
@@ -22542,6 +22814,18 @@
   <p:clrMapOvr>
     <a:overrideClrMapping bg1="dk1" tx1="lt1" bg2="dk2" tx2="lt2" accent1="accent1" accent2="accent2" accent3="accent3" accent4="accent4" accent5="accent5" accent6="accent6" hlink="hlink" folHlink="folHlink"/>
   </p:clrMapOvr>
+  <mc:AlternateContent xmlns:mc="http://schemas.openxmlformats.org/markup-compatibility/2006">
+    <mc:Choice xmlns:p14="http://schemas.microsoft.com/office/powerpoint/2010/main" Requires="p14">
+      <p:transition spd="slow" p14:dur="1250">
+        <p14:switch dir="r"/>
+      </p:transition>
+    </mc:Choice>
+    <mc:Fallback>
+      <p:transition spd="slow">
+        <p:fade/>
+      </p:transition>
+    </mc:Fallback>
+  </mc:AlternateContent>
 </p:sld>
 </file>
 
@@ -22662,7 +22946,7 @@
           <a:lstStyle/>
           <a:p>
             <a:r>
-              <a:rPr lang="en-PA">
+              <a:rPr lang="es-ES_tradnl" noProof="0" dirty="0">
                 <a:solidFill>
                   <a:srgbClr val="FFFFFF"/>
                 </a:solidFill>
@@ -22760,12 +23044,12 @@
               <a:buChar char="-"/>
             </a:pPr>
             <a:r>
-              <a:rPr lang="en-PA" dirty="0">
+              <a:rPr lang="es-ES_tradnl" noProof="0" dirty="0">
                 <a:solidFill>
                   <a:srgbClr val="FFFFFF"/>
                 </a:solidFill>
               </a:rPr>
-              <a:t>Evidente preferencia entre Jovenes.</a:t>
+              <a:t>Cambio brusco de narrativa.</a:t>
             </a:r>
           </a:p>
           <a:p>
@@ -22774,7 +23058,21 @@
               <a:buChar char="-"/>
             </a:pPr>
             <a:r>
-              <a:rPr lang="en-PA" dirty="0">
+              <a:rPr lang="es-ES_tradnl" noProof="0" dirty="0">
+                <a:solidFill>
+                  <a:srgbClr val="FFFFFF"/>
+                </a:solidFill>
+              </a:rPr>
+              <a:t>Evidente preferencia entre Jóvenes.</a:t>
+            </a:r>
+          </a:p>
+          <a:p>
+            <a:pPr>
+              <a:buFontTx/>
+              <a:buChar char="-"/>
+            </a:pPr>
+            <a:r>
+              <a:rPr lang="es-ES_tradnl" noProof="0" dirty="0">
                 <a:solidFill>
                   <a:srgbClr val="FFFFFF"/>
                 </a:solidFill>
@@ -22788,26 +23086,12 @@
               <a:buChar char="-"/>
             </a:pPr>
             <a:r>
-              <a:rPr lang="en-PA" dirty="0">
+              <a:rPr lang="es-ES_tradnl" noProof="0" dirty="0">
                 <a:solidFill>
                   <a:srgbClr val="FFFFFF"/>
                 </a:solidFill>
               </a:rPr>
               <a:t>Evidentes consecuencias.</a:t>
-            </a:r>
-          </a:p>
-          <a:p>
-            <a:pPr>
-              <a:buFontTx/>
-              <a:buChar char="-"/>
-            </a:pPr>
-            <a:r>
-              <a:rPr lang="en-PA" dirty="0">
-                <a:solidFill>
-                  <a:srgbClr val="FFFFFF"/>
-                </a:solidFill>
-              </a:rPr>
-              <a:t>Cambio brusco de narrativa.</a:t>
             </a:r>
           </a:p>
         </p:txBody>
@@ -22852,6 +23136,18 @@
   <p:clrMapOvr>
     <a:masterClrMapping/>
   </p:clrMapOvr>
+  <mc:AlternateContent xmlns:mc="http://schemas.openxmlformats.org/markup-compatibility/2006">
+    <mc:Choice xmlns:p14="http://schemas.microsoft.com/office/powerpoint/2010/main" Requires="p14">
+      <p:transition spd="slow" p14:dur="1250">
+        <p14:switch dir="r"/>
+      </p:transition>
+    </mc:Choice>
+    <mc:Fallback>
+      <p:transition spd="slow">
+        <p:fade/>
+      </p:transition>
+    </mc:Fallback>
+  </mc:AlternateContent>
 </p:sld>
 </file>
 
@@ -23076,12 +23372,12 @@
               <a:buChar char="-"/>
             </a:pPr>
             <a:r>
-              <a:rPr lang="en-PA" dirty="0">
+              <a:rPr lang="es-ES_tradnl" noProof="0" dirty="0">
                 <a:solidFill>
                   <a:srgbClr val="FFFFFF"/>
                 </a:solidFill>
               </a:rPr>
-              <a:t>Disminucion sostenida a lo largo de varias decadas.</a:t>
+              <a:t>Disminución sostenida a lo largo de varias décadas.</a:t>
             </a:r>
           </a:p>
           <a:p>
@@ -23090,12 +23386,12 @@
               <a:buChar char="-"/>
             </a:pPr>
             <a:r>
-              <a:rPr lang="en-PA" dirty="0">
+              <a:rPr lang="es-ES_tradnl" noProof="0" dirty="0">
                 <a:solidFill>
                   <a:srgbClr val="FFFFFF"/>
                 </a:solidFill>
               </a:rPr>
-              <a:t>Resultados visibles tras dos decadas.</a:t>
+              <a:t>Resultados visibles tras dos décadas.</a:t>
             </a:r>
           </a:p>
           <a:p>
@@ -23104,12 +23400,20 @@
               <a:buChar char="-"/>
             </a:pPr>
             <a:r>
+              <a:rPr lang="es-ES_tradnl" noProof="0" dirty="0">
+                <a:solidFill>
+                  <a:srgbClr val="FFFFFF"/>
+                </a:solidFill>
+              </a:rPr>
+              <a:t>Poca discusión acerca del tema</a:t>
+            </a:r>
+            <a:r>
               <a:rPr lang="en-PA" dirty="0">
                 <a:solidFill>
                   <a:srgbClr val="FFFFFF"/>
                 </a:solidFill>
               </a:rPr>
-              <a:t>Poca discusion acerca del tema.</a:t>
+              <a:t>.</a:t>
             </a:r>
           </a:p>
           <a:p>
@@ -23165,6 +23469,18 @@
   <p:clrMapOvr>
     <a:masterClrMapping/>
   </p:clrMapOvr>
+  <mc:AlternateContent xmlns:mc="http://schemas.openxmlformats.org/markup-compatibility/2006">
+    <mc:Choice xmlns:p14="http://schemas.microsoft.com/office/powerpoint/2010/main" Requires="p14">
+      <p:transition spd="slow" p14:dur="1250">
+        <p14:switch dir="r"/>
+      </p:transition>
+    </mc:Choice>
+    <mc:Fallback>
+      <p:transition spd="slow">
+        <p:fade/>
+      </p:transition>
+    </mc:Fallback>
+  </mc:AlternateContent>
 </p:sld>
 </file>
 
@@ -23401,12 +23717,12 @@
               <a:buNone/>
             </a:pPr>
             <a:r>
-              <a:rPr lang="es-ES_tradnl" noProof="1">
+              <a:rPr lang="es-ES_tradnl" noProof="0" dirty="0">
                 <a:solidFill>
                   <a:srgbClr val="FFFFFF"/>
                 </a:solidFill>
               </a:rPr>
-              <a:t>Temporalidad casi nula a 10 anios.</a:t>
+              <a:t>Temporalidad casi nula a 10 años.</a:t>
             </a:r>
           </a:p>
           <a:p>
@@ -23464,6 +23780,18 @@
   <p:clrMapOvr>
     <a:masterClrMapping/>
   </p:clrMapOvr>
+  <mc:AlternateContent xmlns:mc="http://schemas.openxmlformats.org/markup-compatibility/2006">
+    <mc:Choice xmlns:p14="http://schemas.microsoft.com/office/powerpoint/2010/main" Requires="p14">
+      <p:transition spd="slow" p14:dur="1250">
+        <p14:switch dir="r"/>
+      </p:transition>
+    </mc:Choice>
+    <mc:Fallback>
+      <p:transition spd="slow">
+        <p:fade/>
+      </p:transition>
+    </mc:Fallback>
+  </mc:AlternateContent>
 </p:sld>
 </file>
 
@@ -23763,6 +24091,18 @@
   <p:clrMapOvr>
     <a:masterClrMapping/>
   </p:clrMapOvr>
+  <mc:AlternateContent xmlns:mc="http://schemas.openxmlformats.org/markup-compatibility/2006">
+    <mc:Choice xmlns:p14="http://schemas.microsoft.com/office/powerpoint/2010/main" Requires="p14">
+      <p:transition spd="slow" p14:dur="1250">
+        <p14:switch dir="r"/>
+      </p:transition>
+    </mc:Choice>
+    <mc:Fallback>
+      <p:transition spd="slow">
+        <p:fade/>
+      </p:transition>
+    </mc:Fallback>
+  </mc:AlternateContent>
 </p:sld>
 </file>
 
@@ -23782,7 +24122,7 @@
         <p:cNvPr id="1" name="">
           <a:extLst>
             <a:ext uri="{FF2B5EF4-FFF2-40B4-BE49-F238E27FC236}">
-              <a16:creationId xmlns:a16="http://schemas.microsoft.com/office/drawing/2014/main" id="{EA8290CB-094F-F044-24A1-DEE43CFC2CE8}"/>
+              <a16:creationId xmlns:a16="http://schemas.microsoft.com/office/drawing/2014/main" id="{5609698F-7833-E543-897C-7DA1AED9244D}"/>
             </a:ext>
           </a:extLst>
         </p:cNvPr>
@@ -23802,7 +24142,7 @@
           <p:cNvPr id="13" name="Rectangle 12">
             <a:extLst>
               <a:ext uri="{FF2B5EF4-FFF2-40B4-BE49-F238E27FC236}">
-                <a16:creationId xmlns:a16="http://schemas.microsoft.com/office/drawing/2014/main" id="{981AC287-16E6-D23E-AB54-1A098D4FC37D}"/>
+                <a16:creationId xmlns:a16="http://schemas.microsoft.com/office/drawing/2014/main" id="{3EEAA131-0ECD-2728-1A47-CDF8768B50A7}"/>
               </a:ext>
               <a:ext uri="{C183D7F6-B498-43B3-948B-1728B52AA6E4}">
                 <adec:decorative xmlns:adec="http://schemas.microsoft.com/office/drawing/2017/decorative" val="1"/>
@@ -23865,7 +24205,7 @@
           <p:cNvPr id="14" name="Rectangle 13">
             <a:extLst>
               <a:ext uri="{FF2B5EF4-FFF2-40B4-BE49-F238E27FC236}">
-                <a16:creationId xmlns:a16="http://schemas.microsoft.com/office/drawing/2014/main" id="{04D14FF3-FCBA-4F9F-4226-7BA0706B8DE6}"/>
+                <a16:creationId xmlns:a16="http://schemas.microsoft.com/office/drawing/2014/main" id="{42A5A504-98D2-A842-ECAC-5FBC25DDB321}"/>
               </a:ext>
               <a:ext uri="{C183D7F6-B498-43B3-948B-1728B52AA6E4}">
                 <adec:decorative xmlns:adec="http://schemas.microsoft.com/office/drawing/2017/decorative" val="1"/>
@@ -23928,7 +24268,7 @@
           <p:cNvPr id="2" name="Title 1">
             <a:extLst>
               <a:ext uri="{FF2B5EF4-FFF2-40B4-BE49-F238E27FC236}">
-                <a16:creationId xmlns:a16="http://schemas.microsoft.com/office/drawing/2014/main" id="{873615B2-219E-A819-A504-1D7C46FE2370}"/>
+                <a16:creationId xmlns:a16="http://schemas.microsoft.com/office/drawing/2014/main" id="{0CC03798-FBF8-ED82-EA35-C4B733E1927D}"/>
               </a:ext>
             </a:extLst>
           </p:cNvPr>
@@ -23947,7 +24287,7 @@
         </p:spPr>
         <p:txBody>
           <a:bodyPr>
-            <a:normAutofit fontScale="90000"/>
+            <a:normAutofit/>
           </a:bodyPr>
           <a:lstStyle/>
           <a:p>
@@ -23958,7 +24298,7 @@
                   <a:srgbClr val="FFFFFF"/>
                 </a:solidFill>
               </a:rPr>
-              <a:t>"Las </a:t>
+              <a:t>"Cada </a:t>
             </a:r>
             <a:r>
               <a:rPr lang="en-US" dirty="0" err="1">
@@ -23966,23 +24306,7 @@
                   <a:srgbClr val="FFFFFF"/>
                 </a:solidFill>
               </a:rPr>
-              <a:t>culturas</a:t>
-            </a:r>
-            <a:r>
-              <a:rPr lang="en-US" dirty="0">
-                <a:solidFill>
-                  <a:srgbClr val="FFFFFF"/>
-                </a:solidFill>
-              </a:rPr>
-              <a:t> son </a:t>
-            </a:r>
-            <a:r>
-              <a:rPr lang="en-US" dirty="0" err="1">
-                <a:solidFill>
-                  <a:srgbClr val="FFFFFF"/>
-                </a:solidFill>
-              </a:rPr>
-              <a:t>como</a:t>
+              <a:t>cultura</a:t>
             </a:r>
             <a:r>
               <a:rPr lang="en-US" dirty="0">
@@ -23998,7 +24322,7 @@
                   <a:srgbClr val="FFFFFF"/>
                 </a:solidFill>
               </a:rPr>
-              <a:t>algoritmos</a:t>
+              <a:t>tiene</a:t>
             </a:r>
             <a:r>
               <a:rPr lang="en-US" dirty="0">
@@ -24006,7 +24330,7 @@
                   <a:srgbClr val="FFFFFF"/>
                 </a:solidFill>
               </a:rPr>
-              <a:t>: </a:t>
+              <a:t> sus </a:t>
             </a:r>
             <a:r>
               <a:rPr lang="en-US" dirty="0" err="1">
@@ -24014,7 +24338,7 @@
                   <a:srgbClr val="FFFFFF"/>
                 </a:solidFill>
               </a:rPr>
-              <a:t>recetas</a:t>
+              <a:t>propias</a:t>
             </a:r>
             <a:r>
               <a:rPr lang="en-US" dirty="0">
@@ -24022,7 +24346,7 @@
                   <a:srgbClr val="FFFFFF"/>
                 </a:solidFill>
               </a:rPr>
-              <a:t> para </a:t>
+              <a:t> ideas </a:t>
             </a:r>
             <a:r>
               <a:rPr lang="en-US" dirty="0" err="1">
@@ -24030,7 +24354,7 @@
                   <a:srgbClr val="FFFFFF"/>
                 </a:solidFill>
               </a:rPr>
-              <a:t>decidir</a:t>
+              <a:t>sobre</a:t>
             </a:r>
             <a:r>
               <a:rPr lang="en-US" dirty="0">
@@ -24038,7 +24362,7 @@
                   <a:srgbClr val="FFFFFF"/>
                 </a:solidFill>
               </a:rPr>
-              <a:t> </a:t>
+              <a:t> lo que es natural, </a:t>
             </a:r>
             <a:r>
               <a:rPr lang="en-US" dirty="0" err="1">
@@ -24046,7 +24370,7 @@
                   <a:srgbClr val="FFFFFF"/>
                 </a:solidFill>
               </a:rPr>
-              <a:t>qué</a:t>
+              <a:t>correcto</a:t>
             </a:r>
             <a:r>
               <a:rPr lang="en-US" dirty="0">
@@ -24054,7 +24378,7 @@
                   <a:srgbClr val="FFFFFF"/>
                 </a:solidFill>
               </a:rPr>
-              <a:t> </a:t>
+              <a:t> o </a:t>
             </a:r>
             <a:r>
               <a:rPr lang="en-US" dirty="0" err="1">
@@ -24062,71 +24386,7 @@
                   <a:srgbClr val="FFFFFF"/>
                 </a:solidFill>
               </a:rPr>
-              <a:t>hacer</a:t>
-            </a:r>
-            <a:r>
-              <a:rPr lang="en-US" dirty="0">
-                <a:solidFill>
-                  <a:srgbClr val="FFFFFF"/>
-                </a:solidFill>
-              </a:rPr>
-              <a:t> </a:t>
-            </a:r>
-            <a:r>
-              <a:rPr lang="en-US" dirty="0" err="1">
-                <a:solidFill>
-                  <a:srgbClr val="FFFFFF"/>
-                </a:solidFill>
-              </a:rPr>
-              <a:t>cuando</a:t>
-            </a:r>
-            <a:r>
-              <a:rPr lang="en-US" dirty="0">
-                <a:solidFill>
-                  <a:srgbClr val="FFFFFF"/>
-                </a:solidFill>
-              </a:rPr>
-              <a:t> se </a:t>
-            </a:r>
-            <a:r>
-              <a:rPr lang="en-US" dirty="0" err="1">
-                <a:solidFill>
-                  <a:srgbClr val="FFFFFF"/>
-                </a:solidFill>
-              </a:rPr>
-              <a:t>enfrentan</a:t>
-            </a:r>
-            <a:r>
-              <a:rPr lang="en-US" dirty="0">
-                <a:solidFill>
-                  <a:srgbClr val="FFFFFF"/>
-                </a:solidFill>
-              </a:rPr>
-              <a:t> a </a:t>
-            </a:r>
-            <a:r>
-              <a:rPr lang="en-US" dirty="0" err="1">
-                <a:solidFill>
-                  <a:srgbClr val="FFFFFF"/>
-                </a:solidFill>
-              </a:rPr>
-              <a:t>determinadas</a:t>
-            </a:r>
-            <a:r>
-              <a:rPr lang="en-US" dirty="0">
-                <a:solidFill>
-                  <a:srgbClr val="FFFFFF"/>
-                </a:solidFill>
-              </a:rPr>
-              <a:t> </a:t>
-            </a:r>
-            <a:r>
-              <a:rPr lang="en-US" dirty="0" err="1">
-                <a:solidFill>
-                  <a:srgbClr val="FFFFFF"/>
-                </a:solidFill>
-              </a:rPr>
-              <a:t>situaciones</a:t>
+              <a:t>deseable</a:t>
             </a:r>
             <a:r>
               <a:rPr lang="en-US" dirty="0">
@@ -24171,7 +24431,7 @@
           <p:cNvPr id="12" name="Rectangle 11">
             <a:extLst>
               <a:ext uri="{FF2B5EF4-FFF2-40B4-BE49-F238E27FC236}">
-                <a16:creationId xmlns:a16="http://schemas.microsoft.com/office/drawing/2014/main" id="{22F1DA8A-6007-80E4-287F-6D5D3D35D84F}"/>
+                <a16:creationId xmlns:a16="http://schemas.microsoft.com/office/drawing/2014/main" id="{AECC8A39-4EA0-3973-ADB1-735296EE8A51}"/>
               </a:ext>
               <a:ext uri="{C183D7F6-B498-43B3-948B-1728B52AA6E4}">
                 <adec:decorative xmlns:adec="http://schemas.microsoft.com/office/drawing/2017/decorative" val="1"/>
@@ -24234,7 +24494,7 @@
           <p:cNvPr id="1026" name="Picture 2" descr="Sapiens' by Yuval Noah Harari">
             <a:extLst>
               <a:ext uri="{FF2B5EF4-FFF2-40B4-BE49-F238E27FC236}">
-                <a16:creationId xmlns:a16="http://schemas.microsoft.com/office/drawing/2014/main" id="{EAA3BAE1-1016-D275-7128-AF76D52680DB}"/>
+                <a16:creationId xmlns:a16="http://schemas.microsoft.com/office/drawing/2014/main" id="{CDB98B1E-1EDC-B873-A40B-66CDF153A1CB}"/>
               </a:ext>
             </a:extLst>
           </p:cNvPr>
@@ -24279,13 +24539,25 @@
     </p:spTree>
     <p:extLst>
       <p:ext uri="{BB962C8B-B14F-4D97-AF65-F5344CB8AC3E}">
-        <p14:creationId xmlns:p14="http://schemas.microsoft.com/office/powerpoint/2010/main" val="3924537972"/>
+        <p14:creationId xmlns:p14="http://schemas.microsoft.com/office/powerpoint/2010/main" val="3208445672"/>
       </p:ext>
     </p:extLst>
   </p:cSld>
   <p:clrMapOvr>
     <a:overrideClrMapping bg1="dk1" tx1="lt1" bg2="dk2" tx2="lt2" accent1="accent1" accent2="accent2" accent3="accent3" accent4="accent4" accent5="accent5" accent6="accent6" hlink="hlink" folHlink="folHlink"/>
   </p:clrMapOvr>
+  <mc:AlternateContent xmlns:mc="http://schemas.openxmlformats.org/markup-compatibility/2006">
+    <mc:Choice xmlns:p14="http://schemas.microsoft.com/office/powerpoint/2010/main" Requires="p14">
+      <p:transition spd="slow" p14:dur="1250">
+        <p14:switch dir="r"/>
+      </p:transition>
+    </mc:Choice>
+    <mc:Fallback>
+      <p:transition spd="slow">
+        <p:fade/>
+      </p:transition>
+    </mc:Fallback>
+  </mc:AlternateContent>
 </p:sld>
 </file>
 
@@ -24597,6 +24869,18 @@
   <p:clrMapOvr>
     <a:masterClrMapping/>
   </p:clrMapOvr>
+  <mc:AlternateContent xmlns:mc="http://schemas.openxmlformats.org/markup-compatibility/2006">
+    <mc:Choice xmlns:p14="http://schemas.microsoft.com/office/powerpoint/2010/main" Requires="p14">
+      <p:transition spd="slow" p14:dur="1250">
+        <p14:switch dir="r"/>
+      </p:transition>
+    </mc:Choice>
+    <mc:Fallback>
+      <p:transition spd="slow">
+        <p:fade/>
+      </p:transition>
+    </mc:Fallback>
+  </mc:AlternateContent>
 </p:sld>
 </file>
 
@@ -24895,6 +25179,18 @@
   <p:clrMapOvr>
     <a:masterClrMapping/>
   </p:clrMapOvr>
+  <mc:AlternateContent xmlns:mc="http://schemas.openxmlformats.org/markup-compatibility/2006">
+    <mc:Choice xmlns:p14="http://schemas.microsoft.com/office/powerpoint/2010/main" Requires="p14">
+      <p:transition spd="slow" p14:dur="1250">
+        <p14:switch dir="r"/>
+      </p:transition>
+    </mc:Choice>
+    <mc:Fallback>
+      <p:transition spd="slow">
+        <p:fade/>
+      </p:transition>
+    </mc:Fallback>
+  </mc:AlternateContent>
 </p:sld>
 </file>
 
